--- a/assets/ppt/MachineLearning_Teoria.pptx
+++ b/assets/ppt/MachineLearning_Teoria.pptx
@@ -212,7 +212,7 @@
           <a:p>
             <a:fld id="{F75F9399-9FCD-4EB5-9097-B1F7C844D6C0}" type="datetimeFigureOut">
               <a:rPr lang="pt-BR" smtClean="0"/>
-              <a:t>12/07/2025</a:t>
+              <a:t>25/07/2025</a:t>
             </a:fld>
             <a:endParaRPr lang="pt-BR"/>
           </a:p>
@@ -626,7 +626,7 @@
           <a:p>
             <a:fld id="{6C726EF1-3415-47A9-AAD0-DEB93AD0CD29}" type="datetime1">
               <a:rPr lang="pt-BR" smtClean="0"/>
-              <a:t>12/07/2025</a:t>
+              <a:t>25/07/2025</a:t>
             </a:fld>
             <a:endParaRPr lang="pt-BR"/>
           </a:p>
@@ -824,7 +824,7 @@
           <a:p>
             <a:fld id="{EE569239-516C-47E0-BCF6-9A2AF4BC06CA}" type="datetime1">
               <a:rPr lang="pt-BR" smtClean="0"/>
-              <a:t>12/07/2025</a:t>
+              <a:t>25/07/2025</a:t>
             </a:fld>
             <a:endParaRPr lang="pt-BR"/>
           </a:p>
@@ -1032,7 +1032,7 @@
           <a:p>
             <a:fld id="{76DF1AFA-F169-45B6-8F49-433F5750701E}" type="datetime1">
               <a:rPr lang="pt-BR" smtClean="0"/>
-              <a:t>12/07/2025</a:t>
+              <a:t>25/07/2025</a:t>
             </a:fld>
             <a:endParaRPr lang="pt-BR"/>
           </a:p>
@@ -1230,7 +1230,7 @@
           <a:p>
             <a:fld id="{2CBB738E-6E7C-42C7-B306-D2F69400786E}" type="datetime1">
               <a:rPr lang="pt-BR" smtClean="0"/>
-              <a:t>12/07/2025</a:t>
+              <a:t>25/07/2025</a:t>
             </a:fld>
             <a:endParaRPr lang="pt-BR"/>
           </a:p>
@@ -1505,7 +1505,7 @@
           <a:p>
             <a:fld id="{5DEC77CB-96CC-4F6A-B0CA-CC6FDE8F2E03}" type="datetime1">
               <a:rPr lang="pt-BR" smtClean="0"/>
-              <a:t>12/07/2025</a:t>
+              <a:t>25/07/2025</a:t>
             </a:fld>
             <a:endParaRPr lang="pt-BR"/>
           </a:p>
@@ -1770,7 +1770,7 @@
           <a:p>
             <a:fld id="{AF461D1F-EC60-44F8-806D-8AB5B22260D2}" type="datetime1">
               <a:rPr lang="pt-BR" smtClean="0"/>
-              <a:t>12/07/2025</a:t>
+              <a:t>25/07/2025</a:t>
             </a:fld>
             <a:endParaRPr lang="pt-BR"/>
           </a:p>
@@ -2182,7 +2182,7 @@
           <a:p>
             <a:fld id="{17F36871-66A0-4B15-8698-510B8E856200}" type="datetime1">
               <a:rPr lang="pt-BR" smtClean="0"/>
-              <a:t>12/07/2025</a:t>
+              <a:t>25/07/2025</a:t>
             </a:fld>
             <a:endParaRPr lang="pt-BR"/>
           </a:p>
@@ -2323,7 +2323,7 @@
           <a:p>
             <a:fld id="{EECFC82D-BFF4-466D-8450-5252E65136C8}" type="datetime1">
               <a:rPr lang="pt-BR" smtClean="0"/>
-              <a:t>12/07/2025</a:t>
+              <a:t>25/07/2025</a:t>
             </a:fld>
             <a:endParaRPr lang="pt-BR"/>
           </a:p>
@@ -2436,7 +2436,7 @@
           <a:p>
             <a:fld id="{C70813B8-F369-43AF-AE80-11F6175FB80C}" type="datetime1">
               <a:rPr lang="pt-BR" smtClean="0"/>
-              <a:t>12/07/2025</a:t>
+              <a:t>25/07/2025</a:t>
             </a:fld>
             <a:endParaRPr lang="pt-BR"/>
           </a:p>
@@ -2747,7 +2747,7 @@
           <a:p>
             <a:fld id="{2A78AA8D-55C6-4247-9D6C-A98EA9875AE4}" type="datetime1">
               <a:rPr lang="pt-BR" smtClean="0"/>
-              <a:t>12/07/2025</a:t>
+              <a:t>25/07/2025</a:t>
             </a:fld>
             <a:endParaRPr lang="pt-BR"/>
           </a:p>
@@ -3035,7 +3035,7 @@
           <a:p>
             <a:fld id="{2F63D052-0229-42E2-AE2E-542AE57F799B}" type="datetime1">
               <a:rPr lang="pt-BR" smtClean="0"/>
-              <a:t>12/07/2025</a:t>
+              <a:t>25/07/2025</a:t>
             </a:fld>
             <a:endParaRPr lang="pt-BR"/>
           </a:p>
@@ -3276,7 +3276,7 @@
           <a:p>
             <a:fld id="{66D610B5-AA65-4A19-B373-E5658444F765}" type="datetime1">
               <a:rPr lang="pt-BR" smtClean="0"/>
-              <a:t>12/07/2025</a:t>
+              <a:t>25/07/2025</a:t>
             </a:fld>
             <a:endParaRPr lang="pt-BR"/>
           </a:p>
@@ -5881,6 +5881,29 @@
             </a:r>
           </a:p>
           <a:p>
+            <a:pPr lvl="1">
+              <a:buFont typeface="Courier New" panose="02070309020205020404" pitchFamily="49" charset="0"/>
+              <a:buChar char="o"/>
+            </a:pPr>
+            <a:r>
+              <a:rPr lang="pt-BR" sz="2000" dirty="0" err="1">
+                <a:solidFill>
+                  <a:schemeClr val="bg2">
+                    <a:lumMod val="50000"/>
+                  </a:schemeClr>
+                </a:solidFill>
+              </a:rPr>
+              <a:t>Optuna</a:t>
+            </a:r>
+            <a:endParaRPr lang="pt-BR" sz="2000" dirty="0">
+              <a:solidFill>
+                <a:schemeClr val="bg2">
+                  <a:lumMod val="50000"/>
+                </a:schemeClr>
+              </a:solidFill>
+            </a:endParaRPr>
+          </a:p>
+          <a:p>
             <a:r>
               <a:rPr lang="pt-BR" sz="2200" b="1" dirty="0" err="1"/>
               <a:t>AutoML</a:t>
@@ -6130,7 +6153,7 @@
             </a:pPr>
             <a:r>
               <a:rPr lang="pt-BR" sz="1800" dirty="0"/>
-              <a:t>Coeficientes (regressão)</a:t>
+              <a:t>Intercepto (regressão)</a:t>
             </a:r>
           </a:p>
           <a:p>
@@ -9191,7 +9214,7 @@
                   </a:schemeClr>
                 </a:solidFill>
               </a:rPr>
-              <a:t>Naïve-Bayers</a:t>
+              <a:t>Naïve-Bayes</a:t>
             </a:r>
             <a:endParaRPr lang="pt-BR" sz="1800" dirty="0">
               <a:solidFill>
